--- a/intro_copilot_excel.pptx
+++ b/intro_copilot_excel.pptx
@@ -136,7 +136,7 @@
   <pc:docChgLst>
     <pc:chgData name="George Mount" userId="57d2ab2a84d54c81" providerId="LiveId" clId="{F0CB5FCE-7CF8-4FA6-9065-772A4CECA37B}"/>
     <pc:docChg chg="modSld">
-      <pc:chgData name="George Mount" userId="57d2ab2a84d54c81" providerId="LiveId" clId="{F0CB5FCE-7CF8-4FA6-9065-772A4CECA37B}" dt="2025-09-28T05:06:28.857" v="5"/>
+      <pc:chgData name="George Mount" userId="57d2ab2a84d54c81" providerId="LiveId" clId="{F0CB5FCE-7CF8-4FA6-9065-772A4CECA37B}" dt="2025-09-28T05:16:58.497" v="37" actId="20577"/>
       <pc:docMkLst>
         <pc:docMk/>
       </pc:docMkLst>
@@ -151,6 +151,21 @@
           <ac:spMkLst>
             <pc:docMk/>
             <pc:sldMk cId="0" sldId="258"/>
+            <ac:spMk id="3" creationId="{00000000-0000-0000-0000-000000000000}"/>
+          </ac:spMkLst>
+        </pc:spChg>
+      </pc:sldChg>
+      <pc:sldChg chg="modSp mod">
+        <pc:chgData name="George Mount" userId="57d2ab2a84d54c81" providerId="LiveId" clId="{F0CB5FCE-7CF8-4FA6-9065-772A4CECA37B}" dt="2025-09-28T05:16:58.497" v="37" actId="20577"/>
+        <pc:sldMkLst>
+          <pc:docMk/>
+          <pc:sldMk cId="0" sldId="263"/>
+        </pc:sldMkLst>
+        <pc:spChg chg="mod">
+          <ac:chgData name="George Mount" userId="57d2ab2a84d54c81" providerId="LiveId" clId="{F0CB5FCE-7CF8-4FA6-9065-772A4CECA37B}" dt="2025-09-28T05:16:58.497" v="37" actId="20577"/>
+          <ac:spMkLst>
+            <pc:docMk/>
+            <pc:sldMk cId="0" sldId="263"/>
             <ac:spMk id="3" creationId="{00000000-0000-0000-0000-000000000000}"/>
           </ac:spMkLst>
         </pc:spChg>
@@ -3573,16 +3588,19 @@
           <a:lstStyle/>
           <a:p>
             <a:r>
+              <a:rPr dirty="0"/>
               <a:t>Copilot works best with clean, structured data</a:t>
             </a:r>
           </a:p>
           <a:p>
             <a:r>
+              <a:rPr dirty="0"/>
               <a:t>Power Query makes data machine-readable</a:t>
             </a:r>
           </a:p>
           <a:p>
             <a:r>
+              <a:rPr dirty="0"/>
               <a:t>Ensures better results with Copilot and Analyze Data</a:t>
             </a:r>
           </a:p>
@@ -3857,9 +3875,10 @@
           <a:lstStyle/>
           <a:p>
             <a:r>
-              <a:rPr dirty="0"/>
-              <a:t>Any questions?</a:t>
-            </a:r>
+              <a:rPr lang="en-US" dirty="0"/>
+              <a:t>What questions do you have? </a:t>
+            </a:r>
+            <a:endParaRPr dirty="0"/>
           </a:p>
           <a:p>
             <a:r>
@@ -3925,8 +3944,16 @@
           <a:p>
             <a:r>
               <a:rPr dirty="0"/>
-              <a:t>Free until end of year: Copilot in Excel Course:</a:t>
-            </a:r>
+              <a:t>Free until end of year: Copilot in </a:t>
+            </a:r>
+            <a:r>
+              <a:t>Excel Course</a:t>
+            </a:r>
+            <a:r>
+              <a:rPr lang="en-US"/>
+              <a:t> at</a:t>
+            </a:r>
+            <a:endParaRPr dirty="0"/>
           </a:p>
           <a:p>
             <a:r>
